--- a/docs/presentation/pres.pptx
+++ b/docs/presentation/pres.pptx
@@ -11692,7 +11692,7 @@
     <p:sldLayoutId id="2147483657" r:id="rId10"/>
     <p:sldLayoutId id="2147483658" r:id="rId11"/>
   </p:sldLayoutIdLst>
-  <p:hf sldNum="0" hdr="0" ftr="0" dt="0"/>
+  <p:hf hdr="0" ftr="0" dt="0"/>
   <p:txStyles>
     <p:titleStyle>
       <a:defPPr marR="0" lvl="0" algn="l" rtl="0">
@@ -12925,6 +12925,44 @@
           </a:p>
         </p:txBody>
       </p:sp>
+      <p:sp>
+        <p:nvSpPr>
+          <p:cNvPr id="2" name="Номер слайда 1">
+            <a:extLst>
+              <a:ext uri="{FF2B5EF4-FFF2-40B4-BE49-F238E27FC236}">
+                <a16:creationId xmlns:a16="http://schemas.microsoft.com/office/drawing/2014/main" id="{B88C4CD4-5CDE-EBD1-B039-B0C9AD70AEF9}"/>
+              </a:ext>
+            </a:extLst>
+          </p:cNvPr>
+          <p:cNvSpPr>
+            <a:spLocks noGrp="1"/>
+          </p:cNvSpPr>
+          <p:nvPr>
+            <p:ph type="sldNum" idx="12"/>
+          </p:nvPr>
+        </p:nvSpPr>
+        <p:spPr/>
+        <p:txBody>
+          <a:bodyPr/>
+          <a:lstStyle/>
+          <a:p>
+            <a:pPr marL="0" lvl="0" indent="0" algn="r" rtl="0">
+              <a:spcBef>
+                <a:spcPts val="0"/>
+              </a:spcBef>
+              <a:spcAft>
+                <a:spcPts val="0"/>
+              </a:spcAft>
+              <a:buNone/>
+            </a:pPr>
+            <a:fld id="{00000000-1234-1234-1234-123412341234}" type="slidenum">
+              <a:rPr lang="ru-RU" smtClean="0"/>
+              <a:t>1</a:t>
+            </a:fld>
+            <a:endParaRPr lang="ru-RU"/>
+          </a:p>
+        </p:txBody>
+      </p:sp>
     </p:spTree>
   </p:cSld>
   <p:clrMapOvr>
@@ -12994,7 +13032,15 @@
             </a:pPr>
             <a:r>
               <a:rPr lang="ru-RU" dirty="0"/>
-              <a:t>Выбор средств реализации (1)</a:t>
+              <a:t>Выбор средств реализации (1</a:t>
+            </a:r>
+            <a:r>
+              <a:rPr lang="en-US" dirty="0"/>
+              <a:t>/2</a:t>
+            </a:r>
+            <a:r>
+              <a:rPr lang="ru-RU" dirty="0"/>
+              <a:t>)</a:t>
             </a:r>
             <a:endParaRPr dirty="0"/>
           </a:p>
@@ -13465,36 +13511,26 @@
       </p:graphicFrame>
       <p:sp>
         <p:nvSpPr>
-          <p:cNvPr id="4" name="Google Shape;130;p18">
+          <p:cNvPr id="2" name="Номер слайда 1">
             <a:extLst>
               <a:ext uri="{FF2B5EF4-FFF2-40B4-BE49-F238E27FC236}">
-                <a16:creationId xmlns:a16="http://schemas.microsoft.com/office/drawing/2014/main" id="{B5C8656E-52FE-8A54-648E-4EE6AC1384FA}"/>
+                <a16:creationId xmlns:a16="http://schemas.microsoft.com/office/drawing/2014/main" id="{AFB5693E-1018-E472-AE76-450D1038F5D2}"/>
               </a:ext>
             </a:extLst>
           </p:cNvPr>
-          <p:cNvSpPr txBox="1"/>
-          <p:nvPr/>
+          <p:cNvSpPr>
+            <a:spLocks noGrp="1"/>
+          </p:cNvSpPr>
+          <p:nvPr>
+            <p:ph type="sldNum" idx="12"/>
+          </p:nvPr>
         </p:nvSpPr>
-        <p:spPr>
-          <a:xfrm>
-            <a:off x="2032000" y="2204920"/>
-            <a:ext cx="8128001" cy="482400"/>
-          </a:xfrm>
-          <a:prstGeom prst="rect">
-            <a:avLst/>
-          </a:prstGeom>
-          <a:noFill/>
-          <a:ln>
-            <a:noFill/>
-          </a:ln>
-        </p:spPr>
+        <p:spPr/>
         <p:txBody>
-          <a:bodyPr spcFirstLastPara="1" wrap="square" lIns="91425" tIns="91425" rIns="91425" bIns="91425" anchor="t" anchorCtr="0">
-            <a:noAutofit/>
-          </a:bodyPr>
+          <a:bodyPr/>
           <a:lstStyle/>
           <a:p>
-            <a:pPr marL="0" lvl="0" indent="0" algn="l" rtl="0">
+            <a:pPr marL="0" lvl="0" indent="0" algn="r" rtl="0">
               <a:spcBef>
                 <a:spcPts val="0"/>
               </a:spcBef>
@@ -13503,27 +13539,11 @@
               </a:spcAft>
               <a:buNone/>
             </a:pPr>
-            <a:r>
-              <a:rPr lang="ru-RU" sz="1800" dirty="0">
-                <a:solidFill>
-                  <a:schemeClr val="dk1"/>
-                </a:solidFill>
-                <a:latin typeface="Times New Roman"/>
-                <a:ea typeface="Times New Roman"/>
-                <a:cs typeface="Times New Roman"/>
-                <a:sym typeface="Times New Roman"/>
-              </a:rPr>
-              <a:t>Таблица 3: Сравнение СУБД</a:t>
-            </a:r>
-            <a:endParaRPr sz="1800" dirty="0">
-              <a:solidFill>
-                <a:schemeClr val="dk1"/>
-              </a:solidFill>
-              <a:latin typeface="Times New Roman"/>
-              <a:ea typeface="Times New Roman"/>
-              <a:cs typeface="Times New Roman"/>
-              <a:sym typeface="Times New Roman"/>
-            </a:endParaRPr>
+            <a:fld id="{00000000-1234-1234-1234-123412341234}" type="slidenum">
+              <a:rPr lang="ru-RU" smtClean="0"/>
+              <a:t>10</a:t>
+            </a:fld>
+            <a:endParaRPr lang="ru-RU"/>
           </a:p>
         </p:txBody>
       </p:sp>
@@ -13589,7 +13609,15 @@
             </a:pPr>
             <a:r>
               <a:rPr lang="ru-RU" dirty="0"/>
-              <a:t>Выбор средств реализации (2)</a:t>
+              <a:t>Выбор средств реализации (2</a:t>
+            </a:r>
+            <a:r>
+              <a:rPr lang="en-US" dirty="0"/>
+              <a:t>/2</a:t>
+            </a:r>
+            <a:r>
+              <a:rPr lang="ru-RU" dirty="0"/>
+              <a:t>)</a:t>
             </a:r>
             <a:endParaRPr dirty="0"/>
           </a:p>
@@ -13636,7 +13664,7 @@
             </a:pPr>
             <a:r>
               <a:rPr lang="ru-RU" sz="1800" dirty="0"/>
-              <a:t>Тип приложения:  </a:t>
+              <a:t>Тип приложения: монолитное </a:t>
             </a:r>
             <a:r>
               <a:rPr lang="en-US" sz="1800" dirty="0"/>
@@ -13773,6 +13801,44 @@
               <a:buNone/>
             </a:pPr>
             <a:endParaRPr lang="ru-RU" sz="1800" dirty="0"/>
+          </a:p>
+        </p:txBody>
+      </p:sp>
+      <p:sp>
+        <p:nvSpPr>
+          <p:cNvPr id="3" name="Номер слайда 2">
+            <a:extLst>
+              <a:ext uri="{FF2B5EF4-FFF2-40B4-BE49-F238E27FC236}">
+                <a16:creationId xmlns:a16="http://schemas.microsoft.com/office/drawing/2014/main" id="{1CA41A98-330D-8516-A200-0A23C0FB37DB}"/>
+              </a:ext>
+            </a:extLst>
+          </p:cNvPr>
+          <p:cNvSpPr>
+            <a:spLocks noGrp="1"/>
+          </p:cNvSpPr>
+          <p:nvPr>
+            <p:ph type="sldNum" idx="12"/>
+          </p:nvPr>
+        </p:nvSpPr>
+        <p:spPr/>
+        <p:txBody>
+          <a:bodyPr/>
+          <a:lstStyle/>
+          <a:p>
+            <a:pPr marL="0" lvl="0" indent="0" algn="r" rtl="0">
+              <a:spcBef>
+                <a:spcPts val="0"/>
+              </a:spcBef>
+              <a:spcAft>
+                <a:spcPts val="0"/>
+              </a:spcAft>
+              <a:buNone/>
+            </a:pPr>
+            <a:fld id="{00000000-1234-1234-1234-123412341234}" type="slidenum">
+              <a:rPr lang="ru-RU" smtClean="0"/>
+              <a:t>11</a:t>
+            </a:fld>
+            <a:endParaRPr lang="ru-RU"/>
           </a:p>
         </p:txBody>
       </p:sp>
@@ -13875,6 +13941,44 @@
           </a:prstGeom>
         </p:spPr>
       </p:pic>
+      <p:sp>
+        <p:nvSpPr>
+          <p:cNvPr id="2" name="Номер слайда 1">
+            <a:extLst>
+              <a:ext uri="{FF2B5EF4-FFF2-40B4-BE49-F238E27FC236}">
+                <a16:creationId xmlns:a16="http://schemas.microsoft.com/office/drawing/2014/main" id="{8340496F-EA84-B4F9-400C-72AD1548107E}"/>
+              </a:ext>
+            </a:extLst>
+          </p:cNvPr>
+          <p:cNvSpPr>
+            <a:spLocks noGrp="1"/>
+          </p:cNvSpPr>
+          <p:nvPr>
+            <p:ph type="sldNum" idx="12"/>
+          </p:nvPr>
+        </p:nvSpPr>
+        <p:spPr/>
+        <p:txBody>
+          <a:bodyPr/>
+          <a:lstStyle/>
+          <a:p>
+            <a:pPr marL="0" lvl="0" indent="0" algn="r" rtl="0">
+              <a:spcBef>
+                <a:spcPts val="0"/>
+              </a:spcBef>
+              <a:spcAft>
+                <a:spcPts val="0"/>
+              </a:spcAft>
+              <a:buNone/>
+            </a:pPr>
+            <a:fld id="{00000000-1234-1234-1234-123412341234}" type="slidenum">
+              <a:rPr lang="ru-RU" smtClean="0"/>
+              <a:t>12</a:t>
+            </a:fld>
+            <a:endParaRPr lang="ru-RU"/>
+          </a:p>
+        </p:txBody>
+      </p:sp>
     </p:spTree>
   </p:cSld>
   <p:clrMapOvr>
@@ -13983,6 +14087,44 @@
           </a:prstGeom>
         </p:spPr>
       </p:pic>
+      <p:sp>
+        <p:nvSpPr>
+          <p:cNvPr id="2" name="Номер слайда 1">
+            <a:extLst>
+              <a:ext uri="{FF2B5EF4-FFF2-40B4-BE49-F238E27FC236}">
+                <a16:creationId xmlns:a16="http://schemas.microsoft.com/office/drawing/2014/main" id="{AFCDE7A4-9267-3E5A-27EB-E0107CB22443}"/>
+              </a:ext>
+            </a:extLst>
+          </p:cNvPr>
+          <p:cNvSpPr>
+            <a:spLocks noGrp="1"/>
+          </p:cNvSpPr>
+          <p:nvPr>
+            <p:ph type="sldNum" idx="12"/>
+          </p:nvPr>
+        </p:nvSpPr>
+        <p:spPr/>
+        <p:txBody>
+          <a:bodyPr/>
+          <a:lstStyle/>
+          <a:p>
+            <a:pPr marL="0" lvl="0" indent="0" algn="r" rtl="0">
+              <a:spcBef>
+                <a:spcPts val="0"/>
+              </a:spcBef>
+              <a:spcAft>
+                <a:spcPts val="0"/>
+              </a:spcAft>
+              <a:buNone/>
+            </a:pPr>
+            <a:fld id="{00000000-1234-1234-1234-123412341234}" type="slidenum">
+              <a:rPr lang="ru-RU" smtClean="0"/>
+              <a:t>13</a:t>
+            </a:fld>
+            <a:endParaRPr lang="ru-RU"/>
+          </a:p>
+        </p:txBody>
+      </p:sp>
     </p:spTree>
   </p:cSld>
   <p:clrMapOvr>
@@ -14079,7 +14221,7 @@
         </p:spPr>
         <p:txBody>
           <a:bodyPr spcFirstLastPara="1" wrap="square" lIns="91425" tIns="45700" rIns="91425" bIns="45700" anchor="t" anchorCtr="0">
-            <a:normAutofit fontScale="92500" lnSpcReduction="20000"/>
+            <a:normAutofit/>
           </a:bodyPr>
           <a:lstStyle/>
           <a:p>
@@ -14099,121 +14241,7 @@
               <a:rPr lang="ru-RU" sz="1800" dirty="0"/>
               <a:t>В ходе выполнения курсового проекта были решены следующие задачи: </a:t>
             </a:r>
-            <a:endParaRPr sz="1800" dirty="0"/>
-          </a:p>
-          <a:p>
-            <a:pPr marL="228600" lvl="0" indent="-178679" algn="l" rtl="0">
-              <a:lnSpc>
-                <a:spcPct val="150000"/>
-              </a:lnSpc>
-              <a:spcBef>
-                <a:spcPts val="1000"/>
-              </a:spcBef>
-              <a:spcAft>
-                <a:spcPts val="0"/>
-              </a:spcAft>
-              <a:buClr>
-                <a:schemeClr val="dk1"/>
-              </a:buClr>
-              <a:buSzPct val="100000"/>
-              <a:buAutoNum type="arabicParenR"/>
-            </a:pPr>
-            <a:r>
-              <a:rPr lang="ru-RU" sz="1800" dirty="0"/>
-              <a:t> провести анализ предметной области; </a:t>
-            </a:r>
-          </a:p>
-          <a:p>
-            <a:pPr marL="228600" lvl="0" indent="-178679" algn="l" rtl="0">
-              <a:lnSpc>
-                <a:spcPct val="150000"/>
-              </a:lnSpc>
-              <a:spcBef>
-                <a:spcPts val="1000"/>
-              </a:spcBef>
-              <a:spcAft>
-                <a:spcPts val="0"/>
-              </a:spcAft>
-              <a:buClr>
-                <a:schemeClr val="dk1"/>
-              </a:buClr>
-              <a:buSzPct val="100000"/>
-              <a:buAutoNum type="arabicParenR"/>
-            </a:pPr>
-            <a:r>
-              <a:rPr lang="ru-RU" sz="1800" dirty="0"/>
-              <a:t> проанализировать существующие решения; </a:t>
-            </a:r>
-          </a:p>
-          <a:p>
-            <a:pPr marL="228600" lvl="0" indent="-178679" algn="l" rtl="0">
-              <a:lnSpc>
-                <a:spcPct val="150000"/>
-              </a:lnSpc>
-              <a:spcBef>
-                <a:spcPts val="1000"/>
-              </a:spcBef>
-              <a:spcAft>
-                <a:spcPts val="0"/>
-              </a:spcAft>
-              <a:buClr>
-                <a:schemeClr val="dk1"/>
-              </a:buClr>
-              <a:buSzPct val="100000"/>
-              <a:buAutoNum type="arabicParenR"/>
-            </a:pPr>
-            <a:r>
-              <a:rPr lang="ru-RU" sz="1800" dirty="0"/>
-              <a:t> спроектировать базу данных, описать ее сущности и связи между сущностями; </a:t>
-            </a:r>
-          </a:p>
-          <a:p>
-            <a:pPr marL="228600" lvl="0" indent="-178679" algn="l" rtl="0">
-              <a:lnSpc>
-                <a:spcPct val="150000"/>
-              </a:lnSpc>
-              <a:spcBef>
-                <a:spcPts val="1000"/>
-              </a:spcBef>
-              <a:spcAft>
-                <a:spcPts val="0"/>
-              </a:spcAft>
-              <a:buClr>
-                <a:schemeClr val="dk1"/>
-              </a:buClr>
-              <a:buSzPct val="100000"/>
-              <a:buAutoNum type="arabicParenR"/>
-            </a:pPr>
-            <a:r>
-              <a:rPr lang="ru-RU" sz="1800" dirty="0"/>
-              <a:t> выбрать подходящие средства реализации; </a:t>
-            </a:r>
-          </a:p>
-          <a:p>
-            <a:pPr marL="228600" lvl="0" indent="-178679" algn="l" rtl="0">
-              <a:lnSpc>
-                <a:spcPct val="150000"/>
-              </a:lnSpc>
-              <a:spcBef>
-                <a:spcPts val="1000"/>
-              </a:spcBef>
-              <a:spcAft>
-                <a:spcPts val="0"/>
-              </a:spcAft>
-              <a:buClr>
-                <a:schemeClr val="dk1"/>
-              </a:buClr>
-              <a:buSzPct val="100000"/>
-              <a:buAutoNum type="arabicParenR"/>
-            </a:pPr>
-            <a:r>
-              <a:rPr lang="ru-RU" sz="1800" dirty="0"/>
-              <a:t> реализовать базу данных</a:t>
-            </a:r>
-            <a:r>
-              <a:rPr lang="en-US" sz="1800" dirty="0"/>
-              <a:t>;</a:t>
-            </a:r>
+            <a:endParaRPr lang="en-US" sz="1800" dirty="0"/>
           </a:p>
           <a:p>
             <a:pPr marL="228600" lvl="0" indent="-178679" algn="l" rtl="0">
@@ -14238,13 +14266,83 @@
             </a:r>
             <a:r>
               <a:rPr lang="ru-RU" sz="1800" dirty="0"/>
-              <a:t>провести исследования созданной базы данных</a:t>
+              <a:t>проанализирована предметную область и существующие решения;</a:t>
+            </a:r>
+          </a:p>
+          <a:p>
+            <a:pPr marL="228600" lvl="0" indent="-178679" algn="l" rtl="0">
+              <a:lnSpc>
+                <a:spcPct val="150000"/>
+              </a:lnSpc>
+              <a:spcBef>
+                <a:spcPts val="1000"/>
+              </a:spcBef>
+              <a:spcAft>
+                <a:spcPts val="0"/>
+              </a:spcAft>
+              <a:buClr>
+                <a:schemeClr val="dk1"/>
+              </a:buClr>
+              <a:buSzPct val="100000"/>
+              <a:buAutoNum type="arabicParenR"/>
+            </a:pPr>
+            <a:r>
+              <a:rPr lang="ru-RU" sz="1800" dirty="0"/>
+              <a:t> спроектирована база данных, описаны ее сущности и связи между сущностями; </a:t>
+            </a:r>
+          </a:p>
+          <a:p>
+            <a:pPr marL="228600" lvl="0" indent="-178679" algn="l" rtl="0">
+              <a:lnSpc>
+                <a:spcPct val="150000"/>
+              </a:lnSpc>
+              <a:spcBef>
+                <a:spcPts val="1000"/>
+              </a:spcBef>
+              <a:spcAft>
+                <a:spcPts val="0"/>
+              </a:spcAft>
+              <a:buClr>
+                <a:schemeClr val="dk1"/>
+              </a:buClr>
+              <a:buSzPct val="100000"/>
+              <a:buAutoNum type="arabicParenR"/>
+            </a:pPr>
+            <a:r>
+              <a:rPr lang="ru-RU" sz="1800" dirty="0"/>
+              <a:t> реализована база данных и приложение</a:t>
             </a:r>
             <a:r>
               <a:rPr lang="en-US" sz="1800" dirty="0"/>
-              <a:t>.</a:t>
+              <a:t>;</a:t>
             </a:r>
-            <a:endParaRPr lang="ru-RU" sz="1800" dirty="0"/>
+          </a:p>
+          <a:p>
+            <a:pPr marL="228600" lvl="0" indent="-178679" algn="l" rtl="0">
+              <a:lnSpc>
+                <a:spcPct val="150000"/>
+              </a:lnSpc>
+              <a:spcBef>
+                <a:spcPts val="1000"/>
+              </a:spcBef>
+              <a:spcAft>
+                <a:spcPts val="0"/>
+              </a:spcAft>
+              <a:buClr>
+                <a:schemeClr val="dk1"/>
+              </a:buClr>
+              <a:buSzPct val="100000"/>
+              <a:buAutoNum type="arabicParenR"/>
+            </a:pPr>
+            <a:r>
+              <a:rPr lang="en-US" sz="1800" dirty="0"/>
+              <a:t> </a:t>
+            </a:r>
+            <a:r>
+              <a:rPr lang="ru-RU" sz="1800" dirty="0"/>
+              <a:t>проведено исследование зависимости времени выполнения запроса от наличия индексов.</a:t>
+            </a:r>
+            <a:endParaRPr sz="1800" dirty="0"/>
           </a:p>
           <a:p>
             <a:pPr marL="0" lvl="0" indent="457200" algn="l" rtl="0">
@@ -14268,6 +14366,44 @@
                 <a:srgbClr val="F2FFFC"/>
               </a:solidFill>
             </a:endParaRPr>
+          </a:p>
+        </p:txBody>
+      </p:sp>
+      <p:sp>
+        <p:nvSpPr>
+          <p:cNvPr id="2" name="Номер слайда 1">
+            <a:extLst>
+              <a:ext uri="{FF2B5EF4-FFF2-40B4-BE49-F238E27FC236}">
+                <a16:creationId xmlns:a16="http://schemas.microsoft.com/office/drawing/2014/main" id="{70888225-6F6B-7669-194A-CE3474BD1BB4}"/>
+              </a:ext>
+            </a:extLst>
+          </p:cNvPr>
+          <p:cNvSpPr>
+            <a:spLocks noGrp="1"/>
+          </p:cNvSpPr>
+          <p:nvPr>
+            <p:ph type="sldNum" idx="12"/>
+          </p:nvPr>
+        </p:nvSpPr>
+        <p:spPr/>
+        <p:txBody>
+          <a:bodyPr/>
+          <a:lstStyle/>
+          <a:p>
+            <a:pPr marL="0" lvl="0" indent="0" algn="r" rtl="0">
+              <a:spcBef>
+                <a:spcPts val="0"/>
+              </a:spcBef>
+              <a:spcAft>
+                <a:spcPts val="0"/>
+              </a:spcAft>
+              <a:buNone/>
+            </a:pPr>
+            <a:fld id="{00000000-1234-1234-1234-123412341234}" type="slidenum">
+              <a:rPr lang="ru-RU" smtClean="0"/>
+              <a:t>14</a:t>
+            </a:fld>
+            <a:endParaRPr lang="ru-RU"/>
           </a:p>
         </p:txBody>
       </p:sp>
@@ -14428,7 +14564,7 @@
             </a:pPr>
             <a:r>
               <a:rPr lang="ru-RU" sz="1800" dirty="0"/>
-              <a:t> интегрироваться с розничными торговыми точками для автоматического обновления актуальной информации; </a:t>
+              <a:t> интегрироваться с розничными торговыми точками для автоматического обновления актуальной      информации; </a:t>
             </a:r>
           </a:p>
           <a:p>
@@ -14461,6 +14597,44 @@
               <a:t> </a:t>
             </a:r>
             <a:endParaRPr lang="en-US" sz="1800" dirty="0"/>
+          </a:p>
+        </p:txBody>
+      </p:sp>
+      <p:sp>
+        <p:nvSpPr>
+          <p:cNvPr id="4" name="Номер слайда 3">
+            <a:extLst>
+              <a:ext uri="{FF2B5EF4-FFF2-40B4-BE49-F238E27FC236}">
+                <a16:creationId xmlns:a16="http://schemas.microsoft.com/office/drawing/2014/main" id="{A60B536F-F88C-E8EF-BFD0-D4784E661BA8}"/>
+              </a:ext>
+            </a:extLst>
+          </p:cNvPr>
+          <p:cNvSpPr>
+            <a:spLocks noGrp="1"/>
+          </p:cNvSpPr>
+          <p:nvPr>
+            <p:ph type="sldNum" idx="12"/>
+          </p:nvPr>
+        </p:nvSpPr>
+        <p:spPr/>
+        <p:txBody>
+          <a:bodyPr/>
+          <a:lstStyle/>
+          <a:p>
+            <a:pPr marL="0" lvl="0" indent="0" algn="r" rtl="0">
+              <a:spcBef>
+                <a:spcPts val="0"/>
+              </a:spcBef>
+              <a:spcAft>
+                <a:spcPts val="0"/>
+              </a:spcAft>
+              <a:buNone/>
+            </a:pPr>
+            <a:fld id="{00000000-1234-1234-1234-123412341234}" type="slidenum">
+              <a:rPr lang="ru-RU" smtClean="0"/>
+              <a:t>15</a:t>
+            </a:fld>
+            <a:endParaRPr lang="ru-RU"/>
           </a:p>
         </p:txBody>
       </p:sp>
@@ -14575,7 +14749,7 @@
         </p:spPr>
         <p:txBody>
           <a:bodyPr spcFirstLastPara="1" wrap="square" lIns="91425" tIns="45700" rIns="91425" bIns="45700" anchor="t" anchorCtr="0">
-            <a:normAutofit fontScale="25000" lnSpcReduction="20000"/>
+            <a:normAutofit/>
           </a:bodyPr>
           <a:lstStyle/>
           <a:p>
@@ -14596,7 +14770,7 @@
               <a:buNone/>
             </a:pPr>
             <a:r>
-              <a:rPr lang="ru-RU" sz="7215" dirty="0"/>
+              <a:rPr lang="ru-RU" sz="1800" dirty="0"/>
               <a:t>Цель работы – разработка базы данных для сравнительного анализа цен на элементы продуктовой корзины первой необходимости.</a:t>
             </a:r>
           </a:p>
@@ -14618,10 +14792,10 @@
               <a:buNone/>
             </a:pPr>
             <a:r>
-              <a:rPr lang="ru-RU" sz="7215" dirty="0"/>
+              <a:rPr lang="ru-RU" sz="1800" dirty="0"/>
               <a:t>Для достижения поставленной цели необходимо решить следующие задачи:   </a:t>
             </a:r>
-            <a:endParaRPr sz="7215" dirty="0"/>
+            <a:endParaRPr sz="1800" dirty="0"/>
           </a:p>
           <a:p>
             <a:pPr marL="228600" lvl="0" indent="-178679" algn="l" rtl="0">
@@ -14641,8 +14815,8 @@
               <a:buAutoNum type="arabicParenR"/>
             </a:pPr>
             <a:r>
-              <a:rPr lang="ru-RU" sz="7215" dirty="0"/>
-              <a:t> провести анализ предметной области; </a:t>
+              <a:rPr lang="ru-RU" sz="1800" dirty="0"/>
+              <a:t> проанализировать предметную область и существующие решения;</a:t>
             </a:r>
           </a:p>
           <a:p>
@@ -14663,29 +14837,7 @@
               <a:buAutoNum type="arabicParenR"/>
             </a:pPr>
             <a:r>
-              <a:rPr lang="ru-RU" sz="7215" dirty="0"/>
-              <a:t> проанализировать существующие решения; </a:t>
-            </a:r>
-          </a:p>
-          <a:p>
-            <a:pPr marL="228600" lvl="0" indent="-178679" algn="l" rtl="0">
-              <a:lnSpc>
-                <a:spcPct val="150000"/>
-              </a:lnSpc>
-              <a:spcBef>
-                <a:spcPts val="1000"/>
-              </a:spcBef>
-              <a:spcAft>
-                <a:spcPts val="0"/>
-              </a:spcAft>
-              <a:buClr>
-                <a:schemeClr val="dk1"/>
-              </a:buClr>
-              <a:buSzPct val="100000"/>
-              <a:buAutoNum type="arabicParenR"/>
-            </a:pPr>
-            <a:r>
-              <a:rPr lang="ru-RU" sz="7215" dirty="0"/>
+              <a:rPr lang="ru-RU" sz="1800" dirty="0"/>
               <a:t> спроектировать базу данных, описать ее сущности и связи между сущностями; </a:t>
             </a:r>
           </a:p>
@@ -14707,33 +14859,11 @@
               <a:buAutoNum type="arabicParenR"/>
             </a:pPr>
             <a:r>
-              <a:rPr lang="ru-RU" sz="7215" dirty="0"/>
-              <a:t> выбрать подходящие средства реализации; </a:t>
-            </a:r>
-          </a:p>
-          <a:p>
-            <a:pPr marL="228600" lvl="0" indent="-178679" algn="l" rtl="0">
-              <a:lnSpc>
-                <a:spcPct val="150000"/>
-              </a:lnSpc>
-              <a:spcBef>
-                <a:spcPts val="1000"/>
-              </a:spcBef>
-              <a:spcAft>
-                <a:spcPts val="0"/>
-              </a:spcAft>
-              <a:buClr>
-                <a:schemeClr val="dk1"/>
-              </a:buClr>
-              <a:buSzPct val="100000"/>
-              <a:buAutoNum type="arabicParenR"/>
-            </a:pPr>
-            <a:r>
-              <a:rPr lang="ru-RU" sz="7215" dirty="0"/>
-              <a:t> реализовать базу данных</a:t>
+              <a:rPr lang="ru-RU" sz="1800" dirty="0"/>
+              <a:t> реализовать базу данных и приложение</a:t>
             </a:r>
             <a:r>
-              <a:rPr lang="en-US" sz="7215" dirty="0"/>
+              <a:rPr lang="en-US" sz="1800" dirty="0"/>
               <a:t>;</a:t>
             </a:r>
           </a:p>
@@ -14755,18 +14885,13 @@
               <a:buAutoNum type="arabicParenR"/>
             </a:pPr>
             <a:r>
-              <a:rPr lang="en-US" sz="7215" dirty="0"/>
+              <a:rPr lang="en-US" sz="1800" dirty="0"/>
               <a:t> </a:t>
             </a:r>
             <a:r>
-              <a:rPr lang="ru-RU" sz="7215" dirty="0"/>
-              <a:t>провести исследования созданной базы данных</a:t>
+              <a:rPr lang="ru-RU" sz="1800" dirty="0"/>
+              <a:t>провести исследования зависимости времени выполнения запроса от наличия индексов.</a:t>
             </a:r>
-            <a:r>
-              <a:rPr lang="en-US" sz="7215" dirty="0"/>
-              <a:t>.</a:t>
-            </a:r>
-            <a:endParaRPr lang="ru-RU" sz="7215" dirty="0"/>
           </a:p>
           <a:p>
             <a:pPr marL="228600" lvl="0" indent="-64135" algn="l" rtl="0">
@@ -14824,6 +14949,44 @@
               <a:buNone/>
             </a:pPr>
             <a:endParaRPr dirty="0"/>
+          </a:p>
+        </p:txBody>
+      </p:sp>
+      <p:sp>
+        <p:nvSpPr>
+          <p:cNvPr id="2" name="Номер слайда 1">
+            <a:extLst>
+              <a:ext uri="{FF2B5EF4-FFF2-40B4-BE49-F238E27FC236}">
+                <a16:creationId xmlns:a16="http://schemas.microsoft.com/office/drawing/2014/main" id="{AFE51BC7-F18D-9C2E-0C5C-986003325BC2}"/>
+              </a:ext>
+            </a:extLst>
+          </p:cNvPr>
+          <p:cNvSpPr>
+            <a:spLocks noGrp="1"/>
+          </p:cNvSpPr>
+          <p:nvPr>
+            <p:ph type="sldNum" idx="12"/>
+          </p:nvPr>
+        </p:nvSpPr>
+        <p:spPr/>
+        <p:txBody>
+          <a:bodyPr/>
+          <a:lstStyle/>
+          <a:p>
+            <a:pPr marL="0" lvl="0" indent="0" algn="r" rtl="0">
+              <a:spcBef>
+                <a:spcPts val="0"/>
+              </a:spcBef>
+              <a:spcAft>
+                <a:spcPts val="0"/>
+              </a:spcAft>
+              <a:buNone/>
+            </a:pPr>
+            <a:fld id="{00000000-1234-1234-1234-123412341234}" type="slidenum">
+              <a:rPr lang="ru-RU" smtClean="0"/>
+              <a:t>2</a:t>
+            </a:fld>
+            <a:endParaRPr lang="ru-RU"/>
           </a:p>
         </p:txBody>
       </p:sp>
@@ -15295,70 +15458,6 @@
       </p:graphicFrame>
       <p:sp>
         <p:nvSpPr>
-          <p:cNvPr id="5" name="Google Shape;108;p16">
-            <a:extLst>
-              <a:ext uri="{FF2B5EF4-FFF2-40B4-BE49-F238E27FC236}">
-                <a16:creationId xmlns:a16="http://schemas.microsoft.com/office/drawing/2014/main" id="{86273841-3BFA-646D-A7FA-120BE7671A03}"/>
-              </a:ext>
-            </a:extLst>
-          </p:cNvPr>
-          <p:cNvSpPr txBox="1"/>
-          <p:nvPr/>
-        </p:nvSpPr>
-        <p:spPr>
-          <a:xfrm>
-            <a:off x="1802581" y="1869419"/>
-            <a:ext cx="8586838" cy="482400"/>
-          </a:xfrm>
-          <a:prstGeom prst="rect">
-            <a:avLst/>
-          </a:prstGeom>
-          <a:noFill/>
-          <a:ln>
-            <a:noFill/>
-          </a:ln>
-        </p:spPr>
-        <p:txBody>
-          <a:bodyPr spcFirstLastPara="1" wrap="square" lIns="91425" tIns="91425" rIns="91425" bIns="91425" anchor="t" anchorCtr="0">
-            <a:noAutofit/>
-          </a:bodyPr>
-          <a:lstStyle/>
-          <a:p>
-            <a:pPr marL="0" lvl="0" indent="0" algn="l" rtl="0">
-              <a:spcBef>
-                <a:spcPts val="0"/>
-              </a:spcBef>
-              <a:spcAft>
-                <a:spcPts val="0"/>
-              </a:spcAft>
-              <a:buNone/>
-            </a:pPr>
-            <a:r>
-              <a:rPr lang="ru-RU" sz="1800" dirty="0">
-                <a:solidFill>
-                  <a:schemeClr val="dk1"/>
-                </a:solidFill>
-                <a:latin typeface="Times New Roman"/>
-                <a:ea typeface="Times New Roman"/>
-                <a:cs typeface="Times New Roman"/>
-                <a:sym typeface="Times New Roman"/>
-              </a:rPr>
-              <a:t>Таблица 1: Сравнение существующих решений</a:t>
-            </a:r>
-            <a:endParaRPr sz="1800" dirty="0">
-              <a:solidFill>
-                <a:schemeClr val="dk1"/>
-              </a:solidFill>
-              <a:latin typeface="Times New Roman"/>
-              <a:ea typeface="Times New Roman"/>
-              <a:cs typeface="Times New Roman"/>
-              <a:sym typeface="Times New Roman"/>
-            </a:endParaRPr>
-          </a:p>
-        </p:txBody>
-      </p:sp>
-      <p:sp>
-        <p:nvSpPr>
           <p:cNvPr id="7" name="Google Shape;94;p14">
             <a:extLst>
               <a:ext uri="{FF2B5EF4-FFF2-40B4-BE49-F238E27FC236}">
@@ -15423,6 +15522,44 @@
           </a:p>
         </p:txBody>
       </p:sp>
+      <p:sp>
+        <p:nvSpPr>
+          <p:cNvPr id="2" name="Номер слайда 1">
+            <a:extLst>
+              <a:ext uri="{FF2B5EF4-FFF2-40B4-BE49-F238E27FC236}">
+                <a16:creationId xmlns:a16="http://schemas.microsoft.com/office/drawing/2014/main" id="{3E66699C-44EB-F71A-D546-8E0E88F1FD8B}"/>
+              </a:ext>
+            </a:extLst>
+          </p:cNvPr>
+          <p:cNvSpPr>
+            <a:spLocks noGrp="1"/>
+          </p:cNvSpPr>
+          <p:nvPr>
+            <p:ph type="sldNum" idx="12"/>
+          </p:nvPr>
+        </p:nvSpPr>
+        <p:spPr/>
+        <p:txBody>
+          <a:bodyPr/>
+          <a:lstStyle/>
+          <a:p>
+            <a:pPr marL="0" lvl="0" indent="0" algn="r" rtl="0">
+              <a:spcBef>
+                <a:spcPts val="0"/>
+              </a:spcBef>
+              <a:spcAft>
+                <a:spcPts val="0"/>
+              </a:spcAft>
+              <a:buNone/>
+            </a:pPr>
+            <a:fld id="{00000000-1234-1234-1234-123412341234}" type="slidenum">
+              <a:rPr lang="ru-RU" smtClean="0"/>
+              <a:t>3</a:t>
+            </a:fld>
+            <a:endParaRPr lang="ru-RU"/>
+          </a:p>
+        </p:txBody>
+      </p:sp>
     </p:spTree>
   </p:cSld>
   <p:clrMapOvr>
@@ -15448,36 +15585,6 @@
           <a:chExt cx="0" cy="0"/>
         </a:xfrm>
       </p:grpSpPr>
-      <p:pic>
-        <p:nvPicPr>
-          <p:cNvPr id="5" name="Рисунок 4">
-            <a:extLst>
-              <a:ext uri="{FF2B5EF4-FFF2-40B4-BE49-F238E27FC236}">
-                <a16:creationId xmlns:a16="http://schemas.microsoft.com/office/drawing/2014/main" id="{CD931FF2-2FA4-2381-E8F7-B6F361DF266E}"/>
-              </a:ext>
-            </a:extLst>
-          </p:cNvPr>
-          <p:cNvPicPr>
-            <a:picLocks noChangeAspect="1"/>
-          </p:cNvPicPr>
-          <p:nvPr/>
-        </p:nvPicPr>
-        <p:blipFill>
-          <a:blip r:embed="rId3"/>
-          <a:stretch>
-            <a:fillRect/>
-          </a:stretch>
-        </p:blipFill>
-        <p:spPr>
-          <a:xfrm>
-            <a:off x="3628103" y="1649959"/>
-            <a:ext cx="5273163" cy="5042391"/>
-          </a:xfrm>
-          <a:prstGeom prst="rect">
-            <a:avLst/>
-          </a:prstGeom>
-        </p:spPr>
-      </p:pic>
       <p:sp>
         <p:nvSpPr>
           <p:cNvPr id="4" name="Google Shape;94;p14">
@@ -15543,6 +15650,80 @@
           </a:p>
         </p:txBody>
       </p:sp>
+      <p:pic>
+        <p:nvPicPr>
+          <p:cNvPr id="11" name="Рисунок 10">
+            <a:extLst>
+              <a:ext uri="{FF2B5EF4-FFF2-40B4-BE49-F238E27FC236}">
+                <a16:creationId xmlns:a16="http://schemas.microsoft.com/office/drawing/2014/main" id="{D2D027D3-F71C-1674-B460-87EB1A36EC45}"/>
+              </a:ext>
+            </a:extLst>
+          </p:cNvPr>
+          <p:cNvPicPr>
+            <a:picLocks noChangeAspect="1"/>
+          </p:cNvPicPr>
+          <p:nvPr/>
+        </p:nvPicPr>
+        <p:blipFill>
+          <a:blip r:embed="rId3">
+            <a:extLst>
+              <a:ext uri="{96DAC541-7B7A-43D3-8B79-37D633B846F1}">
+                <asvg:svgBlip xmlns:asvg="http://schemas.microsoft.com/office/drawing/2016/SVG/main" r:embed="rId4"/>
+              </a:ext>
+            </a:extLst>
+          </a:blip>
+          <a:stretch>
+            <a:fillRect/>
+          </a:stretch>
+        </p:blipFill>
+        <p:spPr>
+          <a:xfrm>
+            <a:off x="957580" y="1690688"/>
+            <a:ext cx="10276840" cy="4952543"/>
+          </a:xfrm>
+          <a:prstGeom prst="rect">
+            <a:avLst/>
+          </a:prstGeom>
+        </p:spPr>
+      </p:pic>
+      <p:sp>
+        <p:nvSpPr>
+          <p:cNvPr id="2" name="Номер слайда 1">
+            <a:extLst>
+              <a:ext uri="{FF2B5EF4-FFF2-40B4-BE49-F238E27FC236}">
+                <a16:creationId xmlns:a16="http://schemas.microsoft.com/office/drawing/2014/main" id="{806E235A-8A74-7E6D-BC65-F02E3DD3E42D}"/>
+              </a:ext>
+            </a:extLst>
+          </p:cNvPr>
+          <p:cNvSpPr>
+            <a:spLocks noGrp="1"/>
+          </p:cNvSpPr>
+          <p:nvPr>
+            <p:ph type="sldNum" idx="12"/>
+          </p:nvPr>
+        </p:nvSpPr>
+        <p:spPr/>
+        <p:txBody>
+          <a:bodyPr/>
+          <a:lstStyle/>
+          <a:p>
+            <a:pPr marL="0" lvl="0" indent="0" algn="r" rtl="0">
+              <a:spcBef>
+                <a:spcPts val="0"/>
+              </a:spcBef>
+              <a:spcAft>
+                <a:spcPts val="0"/>
+              </a:spcAft>
+              <a:buNone/>
+            </a:pPr>
+            <a:fld id="{00000000-1234-1234-1234-123412341234}" type="slidenum">
+              <a:rPr lang="ru-RU" smtClean="0"/>
+              <a:t>4</a:t>
+            </a:fld>
+            <a:endParaRPr lang="ru-RU"/>
+          </a:p>
+        </p:txBody>
+      </p:sp>
     </p:spTree>
   </p:cSld>
   <p:clrMapOvr>
@@ -15568,36 +15749,6 @@
           <a:chExt cx="0" cy="0"/>
         </a:xfrm>
       </p:grpSpPr>
-      <p:pic>
-        <p:nvPicPr>
-          <p:cNvPr id="3" name="Рисунок 2">
-            <a:extLst>
-              <a:ext uri="{FF2B5EF4-FFF2-40B4-BE49-F238E27FC236}">
-                <a16:creationId xmlns:a16="http://schemas.microsoft.com/office/drawing/2014/main" id="{4B47F13F-C686-B127-8FD6-B51977A9A9BA}"/>
-              </a:ext>
-            </a:extLst>
-          </p:cNvPr>
-          <p:cNvPicPr>
-            <a:picLocks noChangeAspect="1"/>
-          </p:cNvPicPr>
-          <p:nvPr/>
-        </p:nvPicPr>
-        <p:blipFill>
-          <a:blip r:embed="rId3"/>
-          <a:stretch>
-            <a:fillRect/>
-          </a:stretch>
-        </p:blipFill>
-        <p:spPr>
-          <a:xfrm>
-            <a:off x="4205979" y="1539428"/>
-            <a:ext cx="3780042" cy="4953447"/>
-          </a:xfrm>
-          <a:prstGeom prst="rect">
-            <a:avLst/>
-          </a:prstGeom>
-        </p:spPr>
-      </p:pic>
       <p:sp>
         <p:nvSpPr>
           <p:cNvPr id="6" name="Google Shape;94;p14">
@@ -15661,6 +15812,80 @@
               <a:cs typeface="Times New Roman"/>
               <a:sym typeface="Times New Roman"/>
             </a:endParaRPr>
+          </a:p>
+        </p:txBody>
+      </p:sp>
+      <p:pic>
+        <p:nvPicPr>
+          <p:cNvPr id="4" name="Рисунок 3">
+            <a:extLst>
+              <a:ext uri="{FF2B5EF4-FFF2-40B4-BE49-F238E27FC236}">
+                <a16:creationId xmlns:a16="http://schemas.microsoft.com/office/drawing/2014/main" id="{91A7D80D-4C7E-C024-E0E8-F734B4DA8CB0}"/>
+              </a:ext>
+            </a:extLst>
+          </p:cNvPr>
+          <p:cNvPicPr>
+            <a:picLocks noChangeAspect="1"/>
+          </p:cNvPicPr>
+          <p:nvPr/>
+        </p:nvPicPr>
+        <p:blipFill>
+          <a:blip r:embed="rId3">
+            <a:extLst>
+              <a:ext uri="{96DAC541-7B7A-43D3-8B79-37D633B846F1}">
+                <asvg:svgBlip xmlns:asvg="http://schemas.microsoft.com/office/drawing/2016/SVG/main" r:embed="rId4"/>
+              </a:ext>
+            </a:extLst>
+          </a:blip>
+          <a:stretch>
+            <a:fillRect/>
+          </a:stretch>
+        </p:blipFill>
+        <p:spPr>
+          <a:xfrm>
+            <a:off x="419100" y="2408766"/>
+            <a:ext cx="11353800" cy="2040467"/>
+          </a:xfrm>
+          <a:prstGeom prst="rect">
+            <a:avLst/>
+          </a:prstGeom>
+        </p:spPr>
+      </p:pic>
+      <p:sp>
+        <p:nvSpPr>
+          <p:cNvPr id="2" name="Номер слайда 1">
+            <a:extLst>
+              <a:ext uri="{FF2B5EF4-FFF2-40B4-BE49-F238E27FC236}">
+                <a16:creationId xmlns:a16="http://schemas.microsoft.com/office/drawing/2014/main" id="{B8CD5AB5-CC71-2934-DADD-D77BC1ABAA1C}"/>
+              </a:ext>
+            </a:extLst>
+          </p:cNvPr>
+          <p:cNvSpPr>
+            <a:spLocks noGrp="1"/>
+          </p:cNvSpPr>
+          <p:nvPr>
+            <p:ph type="sldNum" idx="12"/>
+          </p:nvPr>
+        </p:nvSpPr>
+        <p:spPr/>
+        <p:txBody>
+          <a:bodyPr/>
+          <a:lstStyle/>
+          <a:p>
+            <a:pPr marL="0" lvl="0" indent="0" algn="r" rtl="0">
+              <a:spcBef>
+                <a:spcPts val="0"/>
+              </a:spcBef>
+              <a:spcAft>
+                <a:spcPts val="0"/>
+              </a:spcAft>
+              <a:buNone/>
+            </a:pPr>
+            <a:fld id="{00000000-1234-1234-1234-123412341234}" type="slidenum">
+              <a:rPr lang="ru-RU" smtClean="0"/>
+              <a:t>5</a:t>
+            </a:fld>
+            <a:endParaRPr lang="ru-RU"/>
           </a:p>
         </p:txBody>
       </p:sp>
@@ -15696,14 +15921,14 @@
           <p:nvPr>
             <p:extLst>
               <p:ext uri="{D42A27DB-BD31-4B8C-83A1-F6EECF244321}">
-                <p14:modId xmlns:p14="http://schemas.microsoft.com/office/powerpoint/2010/main" val="1041895300"/>
+                <p14:modId xmlns:p14="http://schemas.microsoft.com/office/powerpoint/2010/main" val="685620140"/>
               </p:ext>
             </p:extLst>
           </p:nvPr>
         </p:nvGraphicFramePr>
         <p:xfrm>
           <a:off x="1082575" y="2529925"/>
-          <a:ext cx="10287000" cy="2377320"/>
+          <a:ext cx="10287000" cy="2103000"/>
         </p:xfrm>
         <a:graphic>
           <a:graphicData uri="http://schemas.openxmlformats.org/drawingml/2006/table">
@@ -15713,28 +15938,28 @@
                 <a:tableStyleId>{BAF25B29-1CE0-4AC9-9750-50A543159314}</a:tableStyleId>
               </a:tblPr>
               <a:tblGrid>
-                <a:gridCol w="2571750">
+                <a:gridCol w="3843386">
                   <a:extLst>
                     <a:ext uri="{9D8B030D-6E8A-4147-A177-3AD203B41FA5}">
                       <a16:colId xmlns:a16="http://schemas.microsoft.com/office/drawing/2014/main" val="20000"/>
                     </a:ext>
                   </a:extLst>
                 </a:gridCol>
-                <a:gridCol w="2571750">
+                <a:gridCol w="2320413">
                   <a:extLst>
                     <a:ext uri="{9D8B030D-6E8A-4147-A177-3AD203B41FA5}">
                       <a16:colId xmlns:a16="http://schemas.microsoft.com/office/drawing/2014/main" val="20001"/>
                     </a:ext>
                   </a:extLst>
                 </a:gridCol>
-                <a:gridCol w="2571750">
+                <a:gridCol w="1838632">
                   <a:extLst>
                     <a:ext uri="{9D8B030D-6E8A-4147-A177-3AD203B41FA5}">
                       <a16:colId xmlns:a16="http://schemas.microsoft.com/office/drawing/2014/main" val="20002"/>
                     </a:ext>
                   </a:extLst>
                 </a:gridCol>
-                <a:gridCol w="2571750">
+                <a:gridCol w="2284569">
                   <a:extLst>
                     <a:ext uri="{9D8B030D-6E8A-4147-A177-3AD203B41FA5}">
                       <a16:colId xmlns:a16="http://schemas.microsoft.com/office/drawing/2014/main" val="20003"/>
@@ -15787,56 +16012,13 @@
                         <a:buNone/>
                       </a:pPr>
                       <a:r>
-                        <a:rPr lang="ru-RU" sz="1800" dirty="0">
+                        <a:rPr lang="ru-RU" sz="1800" dirty="0" err="1">
                           <a:latin typeface="Times New Roman" panose="02020603050405020304" pitchFamily="18" charset="0"/>
                           <a:cs typeface="Times New Roman" panose="02020603050405020304" pitchFamily="18" charset="0"/>
                         </a:rPr>
-                        <a:t>Обеспечение целостности сущностей</a:t>
+                        <a:t>Дореляционная</a:t>
                       </a:r>
-                    </a:p>
-                  </a:txBody>
-                  <a:tcPr marL="91425" marR="91425" marT="91425" marB="91425"/>
-                </a:tc>
-                <a:tc>
-                  <a:txBody>
-                    <a:bodyPr/>
-                    <a:lstStyle/>
-                    <a:p>
-                      <a:pPr marL="0" lvl="0" indent="0" algn="ctr" rtl="0">
-                        <a:spcBef>
-                          <a:spcPts val="0"/>
-                        </a:spcBef>
-                        <a:spcAft>
-                          <a:spcPts val="0"/>
-                        </a:spcAft>
-                        <a:buNone/>
-                      </a:pPr>
-                      <a:r>
-                        <a:rPr lang="ru-RU" sz="1800" dirty="0">
-                          <a:latin typeface="Times New Roman" panose="02020603050405020304" pitchFamily="18" charset="0"/>
-                          <a:cs typeface="Times New Roman" panose="02020603050405020304" pitchFamily="18" charset="0"/>
-                        </a:rPr>
-                        <a:t>Обеспечение ссылочной </a:t>
-                      </a:r>
-                    </a:p>
-                    <a:p>
-                      <a:pPr marL="0" lvl="0" indent="0" algn="ctr" rtl="0">
-                        <a:spcBef>
-                          <a:spcPts val="0"/>
-                        </a:spcBef>
-                        <a:spcAft>
-                          <a:spcPts val="0"/>
-                        </a:spcAft>
-                        <a:buNone/>
-                      </a:pPr>
-                      <a:r>
-                        <a:rPr lang="ru-RU" sz="1800" dirty="0">
-                          <a:latin typeface="Times New Roman" panose="02020603050405020304" pitchFamily="18" charset="0"/>
-                          <a:cs typeface="Times New Roman" panose="02020603050405020304" pitchFamily="18" charset="0"/>
-                        </a:rPr>
-                        <a:t>целостности</a:t>
-                      </a:r>
-                      <a:endParaRPr sz="1800" dirty="0">
+                      <a:endParaRPr lang="ru-RU" sz="1800" dirty="0">
                         <a:latin typeface="Times New Roman" panose="02020603050405020304" pitchFamily="18" charset="0"/>
                         <a:cs typeface="Times New Roman" panose="02020603050405020304" pitchFamily="18" charset="0"/>
                       </a:endParaRPr>
@@ -15863,7 +16045,39 @@
                           <a:latin typeface="Times New Roman" panose="02020603050405020304" pitchFamily="18" charset="0"/>
                           <a:cs typeface="Times New Roman" panose="02020603050405020304" pitchFamily="18" charset="0"/>
                         </a:rPr>
-                        <a:t>Независимость от физической организации данных</a:t>
+                        <a:t>Реляционная</a:t>
+                      </a:r>
+                    </a:p>
+                  </a:txBody>
+                  <a:tcPr marL="91425" marR="91425" marT="91425" marB="91425">
+                    <a:solidFill>
+                      <a:schemeClr val="accent6">
+                        <a:lumMod val="60000"/>
+                        <a:lumOff val="40000"/>
+                      </a:schemeClr>
+                    </a:solidFill>
+                  </a:tcPr>
+                </a:tc>
+                <a:tc>
+                  <a:txBody>
+                    <a:bodyPr/>
+                    <a:lstStyle/>
+                    <a:p>
+                      <a:pPr marL="0" lvl="0" indent="0" algn="ctr" rtl="0">
+                        <a:spcBef>
+                          <a:spcPts val="0"/>
+                        </a:spcBef>
+                        <a:spcAft>
+                          <a:spcPts val="0"/>
+                        </a:spcAft>
+                        <a:buNone/>
+                      </a:pPr>
+                      <a:r>
+                        <a:rPr lang="ru-RU" sz="1800" dirty="0" err="1">
+                          <a:latin typeface="Times New Roman" panose="02020603050405020304" pitchFamily="18" charset="0"/>
+                          <a:cs typeface="Times New Roman" panose="02020603050405020304" pitchFamily="18" charset="0"/>
+                        </a:rPr>
+                        <a:t>Постреляционная</a:t>
                       </a:r>
                       <a:endParaRPr sz="1800" dirty="0">
                         <a:latin typeface="Times New Roman" panose="02020603050405020304" pitchFamily="18" charset="0"/>
@@ -15895,11 +16109,11 @@
                         <a:buNone/>
                       </a:pPr>
                       <a:r>
-                        <a:rPr lang="ru-RU" sz="1800" dirty="0" err="1">
+                        <a:rPr lang="ru-RU" sz="1800" dirty="0">
                           <a:latin typeface="Times New Roman" panose="02020603050405020304" pitchFamily="18" charset="0"/>
                           <a:cs typeface="Times New Roman" panose="02020603050405020304" pitchFamily="18" charset="0"/>
                         </a:rPr>
-                        <a:t>Дореляционная</a:t>
+                        <a:t>Обеспечение целостности сущностей </a:t>
                       </a:r>
                       <a:endParaRPr sz="1800" dirty="0">
                         <a:latin typeface="Times New Roman" panose="02020603050405020304" pitchFamily="18" charset="0"/>
@@ -15981,7 +16195,14 @@
                       </a:endParaRPr>
                     </a:p>
                   </a:txBody>
-                  <a:tcPr marL="91425" marR="91425" marT="91425" marB="91425"/>
+                  <a:tcPr marL="91425" marR="91425" marT="91425" marB="91425">
+                    <a:solidFill>
+                      <a:schemeClr val="accent6">
+                        <a:lumMod val="60000"/>
+                        <a:lumOff val="40000"/>
+                      </a:schemeClr>
+                    </a:solidFill>
+                  </a:tcPr>
                 </a:tc>
                 <a:tc>
                   <a:txBody>
@@ -16046,7 +16267,7 @@
                           <a:latin typeface="Times New Roman" panose="02020603050405020304" pitchFamily="18" charset="0"/>
                           <a:cs typeface="Times New Roman" panose="02020603050405020304" pitchFamily="18" charset="0"/>
                         </a:rPr>
-                        <a:t>Реляционная</a:t>
+                        <a:t>Обеспечение ссылочной целостности </a:t>
                       </a:r>
                       <a:endParaRPr sz="1800" dirty="0">
                         <a:latin typeface="Times New Roman" panose="02020603050405020304" pitchFamily="18" charset="0"/>
@@ -16055,12 +16276,38 @@
                     </a:p>
                   </a:txBody>
                   <a:tcPr marL="91425" marR="91425" marT="91425" marB="91425">
-                    <a:solidFill>
-                      <a:schemeClr val="accent6">
-                        <a:lumMod val="60000"/>
-                        <a:lumOff val="40000"/>
-                      </a:schemeClr>
-                    </a:solidFill>
+                    <a:noFill/>
+                  </a:tcPr>
+                </a:tc>
+                <a:tc>
+                  <a:txBody>
+                    <a:bodyPr/>
+                    <a:lstStyle/>
+                    <a:p>
+                      <a:pPr marL="0" lvl="0" indent="0" algn="ctr" rtl="0">
+                        <a:spcBef>
+                          <a:spcPts val="0"/>
+                        </a:spcBef>
+                        <a:spcAft>
+                          <a:spcPts val="0"/>
+                        </a:spcAft>
+                        <a:buNone/>
+                      </a:pPr>
+                      <a:r>
+                        <a:rPr lang="ru-RU" sz="1800" dirty="0">
+                          <a:latin typeface="Times New Roman" panose="02020603050405020304" pitchFamily="18" charset="0"/>
+                          <a:cs typeface="Times New Roman" panose="02020603050405020304" pitchFamily="18" charset="0"/>
+                        </a:rPr>
+                        <a:t>+</a:t>
+                      </a:r>
+                      <a:endParaRPr sz="1800" dirty="0">
+                        <a:latin typeface="Times New Roman" panose="02020603050405020304" pitchFamily="18" charset="0"/>
+                        <a:cs typeface="Times New Roman" panose="02020603050405020304" pitchFamily="18" charset="0"/>
+                      </a:endParaRPr>
+                    </a:p>
+                  </a:txBody>
+                  <a:tcPr marL="91425" marR="91425" marT="91425" marB="91425">
+                    <a:noFill/>
                   </a:tcPr>
                 </a:tc>
                 <a:tc>
@@ -16127,48 +16374,7 @@
                     </a:p>
                   </a:txBody>
                   <a:tcPr marL="91425" marR="91425" marT="91425" marB="91425">
-                    <a:solidFill>
-                      <a:schemeClr val="accent6">
-                        <a:lumMod val="60000"/>
-                        <a:lumOff val="40000"/>
-                      </a:schemeClr>
-                    </a:solidFill>
-                  </a:tcPr>
-                </a:tc>
-                <a:tc>
-                  <a:txBody>
-                    <a:bodyPr/>
-                    <a:lstStyle/>
-                    <a:p>
-                      <a:pPr marL="0" lvl="0" indent="0" algn="ctr" rtl="0">
-                        <a:spcBef>
-                          <a:spcPts val="0"/>
-                        </a:spcBef>
-                        <a:spcAft>
-                          <a:spcPts val="0"/>
-                        </a:spcAft>
-                        <a:buNone/>
-                      </a:pPr>
-                      <a:r>
-                        <a:rPr lang="ru-RU" sz="1800" dirty="0">
-                          <a:latin typeface="Times New Roman" panose="02020603050405020304" pitchFamily="18" charset="0"/>
-                          <a:cs typeface="Times New Roman" panose="02020603050405020304" pitchFamily="18" charset="0"/>
-                        </a:rPr>
-                        <a:t>+</a:t>
-                      </a:r>
-                      <a:endParaRPr sz="1800" dirty="0">
-                        <a:latin typeface="Times New Roman" panose="02020603050405020304" pitchFamily="18" charset="0"/>
-                        <a:cs typeface="Times New Roman" panose="02020603050405020304" pitchFamily="18" charset="0"/>
-                      </a:endParaRPr>
-                    </a:p>
-                  </a:txBody>
-                  <a:tcPr marL="91425" marR="91425" marT="91425" marB="91425">
-                    <a:solidFill>
-                      <a:schemeClr val="accent6">
-                        <a:lumMod val="60000"/>
-                        <a:lumOff val="40000"/>
-                      </a:schemeClr>
-                    </a:solidFill>
+                    <a:noFill/>
                   </a:tcPr>
                 </a:tc>
                 <a:extLst>
@@ -16193,11 +16399,11 @@
                         <a:buNone/>
                       </a:pPr>
                       <a:r>
-                        <a:rPr lang="ru-RU" sz="1800" dirty="0" err="1">
+                        <a:rPr lang="ru-RU" sz="1800" dirty="0">
                           <a:latin typeface="Times New Roman" panose="02020603050405020304" pitchFamily="18" charset="0"/>
                           <a:cs typeface="Times New Roman" panose="02020603050405020304" pitchFamily="18" charset="0"/>
                         </a:rPr>
-                        <a:t>Постреляционная</a:t>
+                        <a:t>Независимость от физической организации данных</a:t>
                       </a:r>
                       <a:endParaRPr sz="1800" dirty="0">
                         <a:latin typeface="Times New Roman" panose="02020603050405020304" pitchFamily="18" charset="0"/>
@@ -16263,7 +16469,14 @@
                       </a:endParaRPr>
                     </a:p>
                   </a:txBody>
-                  <a:tcPr marL="91425" marR="91425" marT="91425" marB="91425"/>
+                  <a:tcPr marL="91425" marR="91425" marT="91425" marB="91425">
+                    <a:solidFill>
+                      <a:schemeClr val="accent6">
+                        <a:lumMod val="60000"/>
+                        <a:lumOff val="40000"/>
+                      </a:schemeClr>
+                    </a:solidFill>
+                  </a:tcPr>
                 </a:tc>
                 <a:tc>
                   <a:txBody>
@@ -16306,64 +16519,6 @@
       </p:graphicFrame>
       <p:sp>
         <p:nvSpPr>
-          <p:cNvPr id="130" name="Google Shape;130;p18"/>
-          <p:cNvSpPr txBox="1"/>
-          <p:nvPr/>
-        </p:nvSpPr>
-        <p:spPr>
-          <a:xfrm>
-            <a:off x="1047025" y="2047525"/>
-            <a:ext cx="10358100" cy="482400"/>
-          </a:xfrm>
-          <a:prstGeom prst="rect">
-            <a:avLst/>
-          </a:prstGeom>
-          <a:noFill/>
-          <a:ln>
-            <a:noFill/>
-          </a:ln>
-        </p:spPr>
-        <p:txBody>
-          <a:bodyPr spcFirstLastPara="1" wrap="square" lIns="91425" tIns="91425" rIns="91425" bIns="91425" anchor="t" anchorCtr="0">
-            <a:noAutofit/>
-          </a:bodyPr>
-          <a:lstStyle/>
-          <a:p>
-            <a:pPr marL="0" lvl="0" indent="0" algn="l" rtl="0">
-              <a:spcBef>
-                <a:spcPts val="0"/>
-              </a:spcBef>
-              <a:spcAft>
-                <a:spcPts val="0"/>
-              </a:spcAft>
-              <a:buNone/>
-            </a:pPr>
-            <a:r>
-              <a:rPr lang="ru-RU" sz="1800" dirty="0">
-                <a:solidFill>
-                  <a:schemeClr val="dk1"/>
-                </a:solidFill>
-                <a:latin typeface="Times New Roman"/>
-                <a:ea typeface="Times New Roman"/>
-                <a:cs typeface="Times New Roman"/>
-                <a:sym typeface="Times New Roman"/>
-              </a:rPr>
-              <a:t>Таблица 2: Сравнение баз данных по модели данных</a:t>
-            </a:r>
-            <a:endParaRPr sz="1800" dirty="0">
-              <a:solidFill>
-                <a:schemeClr val="dk1"/>
-              </a:solidFill>
-              <a:latin typeface="Times New Roman"/>
-              <a:ea typeface="Times New Roman"/>
-              <a:cs typeface="Times New Roman"/>
-              <a:sym typeface="Times New Roman"/>
-            </a:endParaRPr>
-          </a:p>
-        </p:txBody>
-      </p:sp>
-      <p:sp>
-        <p:nvSpPr>
           <p:cNvPr id="4" name="Google Shape;94;p14">
             <a:extLst>
               <a:ext uri="{FF2B5EF4-FFF2-40B4-BE49-F238E27FC236}">
@@ -16425,6 +16580,44 @@
               <a:cs typeface="Times New Roman"/>
               <a:sym typeface="Times New Roman"/>
             </a:endParaRPr>
+          </a:p>
+        </p:txBody>
+      </p:sp>
+      <p:sp>
+        <p:nvSpPr>
+          <p:cNvPr id="2" name="Номер слайда 1">
+            <a:extLst>
+              <a:ext uri="{FF2B5EF4-FFF2-40B4-BE49-F238E27FC236}">
+                <a16:creationId xmlns:a16="http://schemas.microsoft.com/office/drawing/2014/main" id="{BD59A704-DBE0-4651-E572-0D62650C8969}"/>
+              </a:ext>
+            </a:extLst>
+          </p:cNvPr>
+          <p:cNvSpPr>
+            <a:spLocks noGrp="1"/>
+          </p:cNvSpPr>
+          <p:nvPr>
+            <p:ph type="sldNum" idx="12"/>
+          </p:nvPr>
+        </p:nvSpPr>
+        <p:spPr/>
+        <p:txBody>
+          <a:bodyPr/>
+          <a:lstStyle/>
+          <a:p>
+            <a:pPr marL="0" lvl="0" indent="0" algn="r" rtl="0">
+              <a:spcBef>
+                <a:spcPts val="0"/>
+              </a:spcBef>
+              <a:spcAft>
+                <a:spcPts val="0"/>
+              </a:spcAft>
+              <a:buNone/>
+            </a:pPr>
+            <a:fld id="{00000000-1234-1234-1234-123412341234}" type="slidenum">
+              <a:rPr lang="ru-RU" smtClean="0"/>
+              <a:t>6</a:t>
+            </a:fld>
+            <a:endParaRPr lang="ru-RU"/>
           </a:p>
         </p:txBody>
       </p:sp>
@@ -16512,7 +16705,7 @@
           <p:cNvPr id="3" name="Рисунок 2">
             <a:extLst>
               <a:ext uri="{FF2B5EF4-FFF2-40B4-BE49-F238E27FC236}">
-                <a16:creationId xmlns:a16="http://schemas.microsoft.com/office/drawing/2014/main" id="{8F6A975F-886B-169D-106F-9A1A5B60A3EB}"/>
+                <a16:creationId xmlns:a16="http://schemas.microsoft.com/office/drawing/2014/main" id="{A5C0E203-71C7-2C6B-023D-43ECCD76C5F5}"/>
               </a:ext>
             </a:extLst>
           </p:cNvPr>
@@ -16522,21 +16715,65 @@
           <p:nvPr/>
         </p:nvPicPr>
         <p:blipFill>
-          <a:blip r:embed="rId3"/>
+          <a:blip r:embed="rId3">
+            <a:extLst>
+              <a:ext uri="{96DAC541-7B7A-43D3-8B79-37D633B846F1}">
+                <asvg:svgBlip xmlns:asvg="http://schemas.microsoft.com/office/drawing/2016/SVG/main" r:embed="rId4"/>
+              </a:ext>
+            </a:extLst>
+          </a:blip>
           <a:stretch>
             <a:fillRect/>
           </a:stretch>
         </p:blipFill>
         <p:spPr>
           <a:xfrm>
-            <a:off x="3462736" y="1690688"/>
-            <a:ext cx="5266528" cy="4889555"/>
+            <a:off x="492760" y="1690688"/>
+            <a:ext cx="11206480" cy="4734219"/>
           </a:xfrm>
           <a:prstGeom prst="rect">
             <a:avLst/>
           </a:prstGeom>
         </p:spPr>
       </p:pic>
+      <p:sp>
+        <p:nvSpPr>
+          <p:cNvPr id="9" name="Номер слайда 8">
+            <a:extLst>
+              <a:ext uri="{FF2B5EF4-FFF2-40B4-BE49-F238E27FC236}">
+                <a16:creationId xmlns:a16="http://schemas.microsoft.com/office/drawing/2014/main" id="{1FAC9CFA-8CA0-BA3E-8740-21012C7345D5}"/>
+              </a:ext>
+            </a:extLst>
+          </p:cNvPr>
+          <p:cNvSpPr>
+            <a:spLocks noGrp="1"/>
+          </p:cNvSpPr>
+          <p:nvPr>
+            <p:ph type="sldNum" idx="12"/>
+          </p:nvPr>
+        </p:nvSpPr>
+        <p:spPr/>
+        <p:txBody>
+          <a:bodyPr/>
+          <a:lstStyle/>
+          <a:p>
+            <a:pPr marL="0" lvl="0" indent="0" algn="r" rtl="0">
+              <a:spcBef>
+                <a:spcPts val="0"/>
+              </a:spcBef>
+              <a:spcAft>
+                <a:spcPts val="0"/>
+              </a:spcAft>
+              <a:buNone/>
+            </a:pPr>
+            <a:fld id="{00000000-1234-1234-1234-123412341234}" type="slidenum">
+              <a:rPr lang="ru-RU" smtClean="0"/>
+              <a:t>7</a:t>
+            </a:fld>
+            <a:endParaRPr lang="ru-RU"/>
+          </a:p>
+        </p:txBody>
+      </p:sp>
     </p:spTree>
   </p:cSld>
   <p:clrMapOvr>
@@ -16659,6 +16896,44 @@
               <a:cs typeface="Times New Roman"/>
               <a:sym typeface="Times New Roman"/>
             </a:endParaRPr>
+          </a:p>
+        </p:txBody>
+      </p:sp>
+      <p:sp>
+        <p:nvSpPr>
+          <p:cNvPr id="2" name="Номер слайда 1">
+            <a:extLst>
+              <a:ext uri="{FF2B5EF4-FFF2-40B4-BE49-F238E27FC236}">
+                <a16:creationId xmlns:a16="http://schemas.microsoft.com/office/drawing/2014/main" id="{23A1E0C3-6C31-A157-8771-3D672D8441F4}"/>
+              </a:ext>
+            </a:extLst>
+          </p:cNvPr>
+          <p:cNvSpPr>
+            <a:spLocks noGrp="1"/>
+          </p:cNvSpPr>
+          <p:nvPr>
+            <p:ph type="sldNum" idx="12"/>
+          </p:nvPr>
+        </p:nvSpPr>
+        <p:spPr/>
+        <p:txBody>
+          <a:bodyPr/>
+          <a:lstStyle/>
+          <a:p>
+            <a:pPr marL="0" lvl="0" indent="0" algn="r" rtl="0">
+              <a:spcBef>
+                <a:spcPts val="0"/>
+              </a:spcBef>
+              <a:spcAft>
+                <a:spcPts val="0"/>
+              </a:spcAft>
+              <a:buNone/>
+            </a:pPr>
+            <a:fld id="{00000000-1234-1234-1234-123412341234}" type="slidenum">
+              <a:rPr lang="ru-RU" smtClean="0"/>
+              <a:t>8</a:t>
+            </a:fld>
+            <a:endParaRPr lang="ru-RU"/>
           </a:p>
         </p:txBody>
       </p:sp>
@@ -16780,6 +17055,44 @@
               <a:cs typeface="Times New Roman"/>
               <a:sym typeface="Times New Roman"/>
             </a:endParaRPr>
+          </a:p>
+        </p:txBody>
+      </p:sp>
+      <p:sp>
+        <p:nvSpPr>
+          <p:cNvPr id="2" name="Номер слайда 1">
+            <a:extLst>
+              <a:ext uri="{FF2B5EF4-FFF2-40B4-BE49-F238E27FC236}">
+                <a16:creationId xmlns:a16="http://schemas.microsoft.com/office/drawing/2014/main" id="{42141DAD-526B-2213-2268-8FEE8128E146}"/>
+              </a:ext>
+            </a:extLst>
+          </p:cNvPr>
+          <p:cNvSpPr>
+            <a:spLocks noGrp="1"/>
+          </p:cNvSpPr>
+          <p:nvPr>
+            <p:ph type="sldNum" idx="12"/>
+          </p:nvPr>
+        </p:nvSpPr>
+        <p:spPr/>
+        <p:txBody>
+          <a:bodyPr/>
+          <a:lstStyle/>
+          <a:p>
+            <a:pPr marL="0" lvl="0" indent="0" algn="r" rtl="0">
+              <a:spcBef>
+                <a:spcPts val="0"/>
+              </a:spcBef>
+              <a:spcAft>
+                <a:spcPts val="0"/>
+              </a:spcAft>
+              <a:buNone/>
+            </a:pPr>
+            <a:fld id="{00000000-1234-1234-1234-123412341234}" type="slidenum">
+              <a:rPr lang="ru-RU" smtClean="0"/>
+              <a:t>9</a:t>
+            </a:fld>
+            <a:endParaRPr lang="ru-RU"/>
           </a:p>
         </p:txBody>
       </p:sp>
